--- a/Build/Wiring Diagram.pptx
+++ b/Build/Wiring Diagram.pptx
@@ -260,7 +260,7 @@
           <a:p>
             <a:fld id="{C2BAAE3E-3FB9-4CAB-9D1D-B84DF3A5880C}" type="datetimeFigureOut">
               <a:rPr lang="en-US" smtClean="0"/>
-              <a:t>8/21/2025</a:t>
+              <a:t>8/25/2025</a:t>
             </a:fld>
             <a:endParaRPr lang="en-US"/>
           </a:p>
@@ -458,7 +458,7 @@
           <a:p>
             <a:fld id="{C2BAAE3E-3FB9-4CAB-9D1D-B84DF3A5880C}" type="datetimeFigureOut">
               <a:rPr lang="en-US" smtClean="0"/>
-              <a:t>8/21/2025</a:t>
+              <a:t>8/25/2025</a:t>
             </a:fld>
             <a:endParaRPr lang="en-US"/>
           </a:p>
@@ -666,7 +666,7 @@
           <a:p>
             <a:fld id="{C2BAAE3E-3FB9-4CAB-9D1D-B84DF3A5880C}" type="datetimeFigureOut">
               <a:rPr lang="en-US" smtClean="0"/>
-              <a:t>8/21/2025</a:t>
+              <a:t>8/25/2025</a:t>
             </a:fld>
             <a:endParaRPr lang="en-US"/>
           </a:p>
@@ -864,7 +864,7 @@
           <a:p>
             <a:fld id="{C2BAAE3E-3FB9-4CAB-9D1D-B84DF3A5880C}" type="datetimeFigureOut">
               <a:rPr lang="en-US" smtClean="0"/>
-              <a:t>8/21/2025</a:t>
+              <a:t>8/25/2025</a:t>
             </a:fld>
             <a:endParaRPr lang="en-US"/>
           </a:p>
@@ -1139,7 +1139,7 @@
           <a:p>
             <a:fld id="{C2BAAE3E-3FB9-4CAB-9D1D-B84DF3A5880C}" type="datetimeFigureOut">
               <a:rPr lang="en-US" smtClean="0"/>
-              <a:t>8/21/2025</a:t>
+              <a:t>8/25/2025</a:t>
             </a:fld>
             <a:endParaRPr lang="en-US"/>
           </a:p>
@@ -1404,7 +1404,7 @@
           <a:p>
             <a:fld id="{C2BAAE3E-3FB9-4CAB-9D1D-B84DF3A5880C}" type="datetimeFigureOut">
               <a:rPr lang="en-US" smtClean="0"/>
-              <a:t>8/21/2025</a:t>
+              <a:t>8/25/2025</a:t>
             </a:fld>
             <a:endParaRPr lang="en-US"/>
           </a:p>
@@ -1816,7 +1816,7 @@
           <a:p>
             <a:fld id="{C2BAAE3E-3FB9-4CAB-9D1D-B84DF3A5880C}" type="datetimeFigureOut">
               <a:rPr lang="en-US" smtClean="0"/>
-              <a:t>8/21/2025</a:t>
+              <a:t>8/25/2025</a:t>
             </a:fld>
             <a:endParaRPr lang="en-US"/>
           </a:p>
@@ -1957,7 +1957,7 @@
           <a:p>
             <a:fld id="{C2BAAE3E-3FB9-4CAB-9D1D-B84DF3A5880C}" type="datetimeFigureOut">
               <a:rPr lang="en-US" smtClean="0"/>
-              <a:t>8/21/2025</a:t>
+              <a:t>8/25/2025</a:t>
             </a:fld>
             <a:endParaRPr lang="en-US"/>
           </a:p>
@@ -2070,7 +2070,7 @@
           <a:p>
             <a:fld id="{C2BAAE3E-3FB9-4CAB-9D1D-B84DF3A5880C}" type="datetimeFigureOut">
               <a:rPr lang="en-US" smtClean="0"/>
-              <a:t>8/21/2025</a:t>
+              <a:t>8/25/2025</a:t>
             </a:fld>
             <a:endParaRPr lang="en-US"/>
           </a:p>
@@ -2381,7 +2381,7 @@
           <a:p>
             <a:fld id="{C2BAAE3E-3FB9-4CAB-9D1D-B84DF3A5880C}" type="datetimeFigureOut">
               <a:rPr lang="en-US" smtClean="0"/>
-              <a:t>8/21/2025</a:t>
+              <a:t>8/25/2025</a:t>
             </a:fld>
             <a:endParaRPr lang="en-US"/>
           </a:p>
@@ -2669,7 +2669,7 @@
           <a:p>
             <a:fld id="{C2BAAE3E-3FB9-4CAB-9D1D-B84DF3A5880C}" type="datetimeFigureOut">
               <a:rPr lang="en-US" smtClean="0"/>
-              <a:t>8/21/2025</a:t>
+              <a:t>8/25/2025</a:t>
             </a:fld>
             <a:endParaRPr lang="en-US"/>
           </a:p>
@@ -2910,7 +2910,7 @@
           <a:p>
             <a:fld id="{C2BAAE3E-3FB9-4CAB-9D1D-B84DF3A5880C}" type="datetimeFigureOut">
               <a:rPr lang="en-US" smtClean="0"/>
-              <a:t>8/21/2025</a:t>
+              <a:t>8/25/2025</a:t>
             </a:fld>
             <a:endParaRPr lang="en-US"/>
           </a:p>
@@ -3421,10 +3421,10 @@
         </p:nvGrpSpPr>
         <p:grpSpPr>
           <a:xfrm>
-            <a:off x="266909" y="112365"/>
-            <a:ext cx="11158067" cy="6597362"/>
-            <a:chOff x="266909" y="112365"/>
-            <a:chExt cx="11158067" cy="6597362"/>
+            <a:off x="266909" y="255914"/>
+            <a:ext cx="11158067" cy="6453813"/>
+            <a:chOff x="266909" y="255914"/>
+            <a:chExt cx="11158067" cy="6453813"/>
           </a:xfrm>
         </p:grpSpPr>
         <p:pic>
@@ -3563,8 +3563,8 @@
           </p:nvCxnSpPr>
           <p:spPr>
             <a:xfrm flipV="1">
-              <a:off x="3068881" y="112365"/>
-              <a:ext cx="0" cy="517276"/>
+              <a:off x="3068881" y="255914"/>
+              <a:ext cx="0" cy="373727"/>
             </a:xfrm>
             <a:prstGeom prst="line">
               <a:avLst/>
@@ -3606,7 +3606,7 @@
           </p:nvCxnSpPr>
           <p:spPr>
             <a:xfrm flipH="1">
-              <a:off x="3068881" y="112365"/>
+              <a:off x="3068881" y="276088"/>
               <a:ext cx="4285230" cy="0"/>
             </a:xfrm>
             <a:prstGeom prst="line">
@@ -3649,8 +3649,8 @@
           </p:nvCxnSpPr>
           <p:spPr>
             <a:xfrm>
-              <a:off x="7354111" y="112365"/>
-              <a:ext cx="0" cy="5534516"/>
+              <a:off x="7354111" y="255914"/>
+              <a:ext cx="0" cy="5390967"/>
             </a:xfrm>
             <a:prstGeom prst="line">
               <a:avLst/>
@@ -4150,6 +4150,1484 @@
           </p:style>
         </p:cxnSp>
       </p:grpSp>
+      <p:sp>
+        <p:nvSpPr>
+          <p:cNvPr id="4" name="TextBox 3">
+            <a:extLst>
+              <a:ext uri="{FF2B5EF4-FFF2-40B4-BE49-F238E27FC236}">
+                <a16:creationId xmlns:a16="http://schemas.microsoft.com/office/drawing/2014/main" id="{B6407FEA-57E5-11F8-E4A4-9FAF21C80F99}"/>
+              </a:ext>
+            </a:extLst>
+          </p:cNvPr>
+          <p:cNvSpPr txBox="1"/>
+          <p:nvPr/>
+        </p:nvSpPr>
+        <p:spPr>
+          <a:xfrm>
+            <a:off x="10341874" y="3487840"/>
+            <a:ext cx="1533926" cy="3139321"/>
+          </a:xfrm>
+          <a:prstGeom prst="rect">
+            <a:avLst/>
+          </a:prstGeom>
+          <a:noFill/>
+        </p:spPr>
+        <p:txBody>
+          <a:bodyPr wrap="square" rtlCol="0">
+            <a:spAutoFit/>
+          </a:bodyPr>
+          <a:lstStyle/>
+          <a:p>
+            <a:r>
+              <a:rPr lang="en-US" dirty="0"/>
+              <a:t>              Pi pin</a:t>
+            </a:r>
+          </a:p>
+          <a:p>
+            <a:r>
+              <a:rPr lang="en-US" dirty="0"/>
+              <a:t>INA1  -&gt; 22</a:t>
+            </a:r>
+          </a:p>
+          <a:p>
+            <a:r>
+              <a:rPr lang="en-US" dirty="0"/>
+              <a:t>INA2 -&gt; 12</a:t>
+            </a:r>
+          </a:p>
+          <a:p>
+            <a:r>
+              <a:rPr lang="en-US" dirty="0"/>
+              <a:t>INB1 -&gt; 8</a:t>
+            </a:r>
+          </a:p>
+          <a:p>
+            <a:r>
+              <a:rPr lang="en-US" dirty="0"/>
+              <a:t>INB2 -&gt; 10</a:t>
+            </a:r>
+          </a:p>
+          <a:p>
+            <a:endParaRPr lang="en-US" dirty="0"/>
+          </a:p>
+          <a:p>
+            <a:r>
+              <a:rPr lang="en-US" dirty="0"/>
+              <a:t>LSCL -&gt; 5</a:t>
+            </a:r>
+          </a:p>
+          <a:p>
+            <a:r>
+              <a:rPr lang="en-US" dirty="0"/>
+              <a:t>LSDA -&gt; 3</a:t>
+            </a:r>
+          </a:p>
+          <a:p>
+            <a:endParaRPr lang="en-US" dirty="0"/>
+          </a:p>
+          <a:p>
+            <a:r>
+              <a:rPr lang="en-US" dirty="0"/>
+              <a:t>RSCL -&gt; 21</a:t>
+            </a:r>
+          </a:p>
+          <a:p>
+            <a:r>
+              <a:rPr lang="en-US" dirty="0"/>
+              <a:t>RSDA -&gt; 24</a:t>
+            </a:r>
+          </a:p>
+        </p:txBody>
+      </p:sp>
+      <p:cxnSp>
+        <p:nvCxnSpPr>
+          <p:cNvPr id="7" name="Straight Connector 6">
+            <a:extLst>
+              <a:ext uri="{FF2B5EF4-FFF2-40B4-BE49-F238E27FC236}">
+                <a16:creationId xmlns:a16="http://schemas.microsoft.com/office/drawing/2014/main" id="{99FD2EFC-7949-E889-7472-76AEDDC9BAEC}"/>
+              </a:ext>
+            </a:extLst>
+          </p:cNvPr>
+          <p:cNvCxnSpPr/>
+          <p:nvPr/>
+        </p:nvCxnSpPr>
+        <p:spPr>
+          <a:xfrm flipH="1">
+            <a:off x="2393005" y="1290067"/>
+            <a:ext cx="675876" cy="0"/>
+          </a:xfrm>
+          <a:prstGeom prst="line">
+            <a:avLst/>
+          </a:prstGeom>
+          <a:ln w="57150">
+            <a:solidFill>
+              <a:srgbClr val="FFFF00"/>
+            </a:solidFill>
+          </a:ln>
+        </p:spPr>
+        <p:style>
+          <a:lnRef idx="2">
+            <a:schemeClr val="accent1"/>
+          </a:lnRef>
+          <a:fillRef idx="0">
+            <a:schemeClr val="accent1"/>
+          </a:fillRef>
+          <a:effectRef idx="1">
+            <a:schemeClr val="accent1"/>
+          </a:effectRef>
+          <a:fontRef idx="minor">
+            <a:schemeClr val="tx1"/>
+          </a:fontRef>
+        </p:style>
+      </p:cxnSp>
+      <p:cxnSp>
+        <p:nvCxnSpPr>
+          <p:cNvPr id="10" name="Straight Connector 9">
+            <a:extLst>
+              <a:ext uri="{FF2B5EF4-FFF2-40B4-BE49-F238E27FC236}">
+                <a16:creationId xmlns:a16="http://schemas.microsoft.com/office/drawing/2014/main" id="{863E32ED-1D37-A936-B472-E8423C2FE5A8}"/>
+              </a:ext>
+            </a:extLst>
+          </p:cNvPr>
+          <p:cNvCxnSpPr>
+            <a:cxnSpLocks/>
+          </p:cNvCxnSpPr>
+          <p:nvPr/>
+        </p:nvCxnSpPr>
+        <p:spPr>
+          <a:xfrm flipH="1" flipV="1">
+            <a:off x="2393005" y="1290067"/>
+            <a:ext cx="50310" cy="5067053"/>
+          </a:xfrm>
+          <a:prstGeom prst="line">
+            <a:avLst/>
+          </a:prstGeom>
+          <a:ln w="57150">
+            <a:solidFill>
+              <a:srgbClr val="FFFF00"/>
+            </a:solidFill>
+          </a:ln>
+        </p:spPr>
+        <p:style>
+          <a:lnRef idx="2">
+            <a:schemeClr val="accent1"/>
+          </a:lnRef>
+          <a:fillRef idx="0">
+            <a:schemeClr val="accent1"/>
+          </a:fillRef>
+          <a:effectRef idx="1">
+            <a:schemeClr val="accent1"/>
+          </a:effectRef>
+          <a:fontRef idx="minor">
+            <a:schemeClr val="tx1"/>
+          </a:fontRef>
+        </p:style>
+      </p:cxnSp>
+      <p:cxnSp>
+        <p:nvCxnSpPr>
+          <p:cNvPr id="15" name="Straight Connector 14">
+            <a:extLst>
+              <a:ext uri="{FF2B5EF4-FFF2-40B4-BE49-F238E27FC236}">
+                <a16:creationId xmlns:a16="http://schemas.microsoft.com/office/drawing/2014/main" id="{D1C82FE3-27C3-5824-5173-F5E32188FA91}"/>
+              </a:ext>
+            </a:extLst>
+          </p:cNvPr>
+          <p:cNvCxnSpPr>
+            <a:cxnSpLocks/>
+          </p:cNvCxnSpPr>
+          <p:nvPr/>
+        </p:nvCxnSpPr>
+        <p:spPr>
+          <a:xfrm>
+            <a:off x="6955277" y="5879283"/>
+            <a:ext cx="2305501" cy="25406"/>
+          </a:xfrm>
+          <a:prstGeom prst="line">
+            <a:avLst/>
+          </a:prstGeom>
+          <a:ln w="57150">
+            <a:solidFill>
+              <a:srgbClr val="FFFF00"/>
+            </a:solidFill>
+          </a:ln>
+        </p:spPr>
+        <p:style>
+          <a:lnRef idx="2">
+            <a:schemeClr val="accent1"/>
+          </a:lnRef>
+          <a:fillRef idx="0">
+            <a:schemeClr val="accent1"/>
+          </a:fillRef>
+          <a:effectRef idx="1">
+            <a:schemeClr val="accent1"/>
+          </a:effectRef>
+          <a:fontRef idx="minor">
+            <a:schemeClr val="tx1"/>
+          </a:fontRef>
+        </p:style>
+      </p:cxnSp>
+      <p:cxnSp>
+        <p:nvCxnSpPr>
+          <p:cNvPr id="22" name="Straight Connector 21">
+            <a:extLst>
+              <a:ext uri="{FF2B5EF4-FFF2-40B4-BE49-F238E27FC236}">
+                <a16:creationId xmlns:a16="http://schemas.microsoft.com/office/drawing/2014/main" id="{AEFEB4BB-DF85-BA35-8D07-0290EBB85185}"/>
+              </a:ext>
+            </a:extLst>
+          </p:cNvPr>
+          <p:cNvCxnSpPr>
+            <a:cxnSpLocks/>
+          </p:cNvCxnSpPr>
+          <p:nvPr/>
+        </p:nvCxnSpPr>
+        <p:spPr>
+          <a:xfrm>
+            <a:off x="2435086" y="6368230"/>
+            <a:ext cx="4520191" cy="47815"/>
+          </a:xfrm>
+          <a:prstGeom prst="line">
+            <a:avLst/>
+          </a:prstGeom>
+          <a:ln w="57150">
+            <a:solidFill>
+              <a:srgbClr val="FFFF00"/>
+            </a:solidFill>
+          </a:ln>
+        </p:spPr>
+        <p:style>
+          <a:lnRef idx="2">
+            <a:schemeClr val="accent1"/>
+          </a:lnRef>
+          <a:fillRef idx="0">
+            <a:schemeClr val="accent1"/>
+          </a:fillRef>
+          <a:effectRef idx="1">
+            <a:schemeClr val="accent1"/>
+          </a:effectRef>
+          <a:fontRef idx="minor">
+            <a:schemeClr val="tx1"/>
+          </a:fontRef>
+        </p:style>
+      </p:cxnSp>
+      <p:cxnSp>
+        <p:nvCxnSpPr>
+          <p:cNvPr id="26" name="Straight Connector 25">
+            <a:extLst>
+              <a:ext uri="{FF2B5EF4-FFF2-40B4-BE49-F238E27FC236}">
+                <a16:creationId xmlns:a16="http://schemas.microsoft.com/office/drawing/2014/main" id="{61F05CDF-F709-0049-45E3-7D412D6A6ACA}"/>
+              </a:ext>
+            </a:extLst>
+          </p:cNvPr>
+          <p:cNvCxnSpPr>
+            <a:cxnSpLocks/>
+          </p:cNvCxnSpPr>
+          <p:nvPr/>
+        </p:nvCxnSpPr>
+        <p:spPr>
+          <a:xfrm flipV="1">
+            <a:off x="6955277" y="5861001"/>
+            <a:ext cx="0" cy="531136"/>
+          </a:xfrm>
+          <a:prstGeom prst="line">
+            <a:avLst/>
+          </a:prstGeom>
+          <a:ln w="57150">
+            <a:solidFill>
+              <a:srgbClr val="FFFF00"/>
+            </a:solidFill>
+          </a:ln>
+        </p:spPr>
+        <p:style>
+          <a:lnRef idx="2">
+            <a:schemeClr val="accent1"/>
+          </a:lnRef>
+          <a:fillRef idx="0">
+            <a:schemeClr val="accent1"/>
+          </a:fillRef>
+          <a:effectRef idx="1">
+            <a:schemeClr val="accent1"/>
+          </a:effectRef>
+          <a:fontRef idx="minor">
+            <a:schemeClr val="tx1"/>
+          </a:fontRef>
+        </p:style>
+      </p:cxnSp>
+      <p:cxnSp>
+        <p:nvCxnSpPr>
+          <p:cNvPr id="33" name="Straight Connector 32">
+            <a:extLst>
+              <a:ext uri="{FF2B5EF4-FFF2-40B4-BE49-F238E27FC236}">
+                <a16:creationId xmlns:a16="http://schemas.microsoft.com/office/drawing/2014/main" id="{A27A84AB-A016-55C1-D1D1-318823770CAF}"/>
+              </a:ext>
+            </a:extLst>
+          </p:cNvPr>
+          <p:cNvCxnSpPr>
+            <a:cxnSpLocks/>
+          </p:cNvCxnSpPr>
+          <p:nvPr/>
+        </p:nvCxnSpPr>
+        <p:spPr>
+          <a:xfrm flipH="1">
+            <a:off x="2209890" y="1037642"/>
+            <a:ext cx="858991" cy="0"/>
+          </a:xfrm>
+          <a:prstGeom prst="line">
+            <a:avLst/>
+          </a:prstGeom>
+          <a:ln w="57150">
+            <a:solidFill>
+              <a:srgbClr val="00B050"/>
+            </a:solidFill>
+          </a:ln>
+        </p:spPr>
+        <p:style>
+          <a:lnRef idx="2">
+            <a:schemeClr val="accent1"/>
+          </a:lnRef>
+          <a:fillRef idx="0">
+            <a:schemeClr val="accent1"/>
+          </a:fillRef>
+          <a:effectRef idx="1">
+            <a:schemeClr val="accent1"/>
+          </a:effectRef>
+          <a:fontRef idx="minor">
+            <a:schemeClr val="tx1"/>
+          </a:fontRef>
+        </p:style>
+      </p:cxnSp>
+      <p:cxnSp>
+        <p:nvCxnSpPr>
+          <p:cNvPr id="34" name="Straight Connector 33">
+            <a:extLst>
+              <a:ext uri="{FF2B5EF4-FFF2-40B4-BE49-F238E27FC236}">
+                <a16:creationId xmlns:a16="http://schemas.microsoft.com/office/drawing/2014/main" id="{F8BD403E-6320-062D-73F8-46331347560D}"/>
+              </a:ext>
+            </a:extLst>
+          </p:cNvPr>
+          <p:cNvCxnSpPr>
+            <a:cxnSpLocks/>
+          </p:cNvCxnSpPr>
+          <p:nvPr/>
+        </p:nvCxnSpPr>
+        <p:spPr>
+          <a:xfrm flipH="1" flipV="1">
+            <a:off x="2209890" y="1037642"/>
+            <a:ext cx="70394" cy="5589519"/>
+          </a:xfrm>
+          <a:prstGeom prst="line">
+            <a:avLst/>
+          </a:prstGeom>
+          <a:ln w="57150">
+            <a:solidFill>
+              <a:srgbClr val="00B050"/>
+            </a:solidFill>
+          </a:ln>
+        </p:spPr>
+        <p:style>
+          <a:lnRef idx="2">
+            <a:schemeClr val="accent1"/>
+          </a:lnRef>
+          <a:fillRef idx="0">
+            <a:schemeClr val="accent1"/>
+          </a:fillRef>
+          <a:effectRef idx="1">
+            <a:schemeClr val="accent1"/>
+          </a:effectRef>
+          <a:fontRef idx="minor">
+            <a:schemeClr val="tx1"/>
+          </a:fontRef>
+        </p:style>
+      </p:cxnSp>
+      <p:cxnSp>
+        <p:nvCxnSpPr>
+          <p:cNvPr id="35" name="Straight Connector 34">
+            <a:extLst>
+              <a:ext uri="{FF2B5EF4-FFF2-40B4-BE49-F238E27FC236}">
+                <a16:creationId xmlns:a16="http://schemas.microsoft.com/office/drawing/2014/main" id="{1C3F180E-398C-C40B-DC31-053C3293BE1C}"/>
+              </a:ext>
+            </a:extLst>
+          </p:cNvPr>
+          <p:cNvCxnSpPr>
+            <a:cxnSpLocks/>
+          </p:cNvCxnSpPr>
+          <p:nvPr/>
+        </p:nvCxnSpPr>
+        <p:spPr>
+          <a:xfrm>
+            <a:off x="7153547" y="6013166"/>
+            <a:ext cx="2066982" cy="27757"/>
+          </a:xfrm>
+          <a:prstGeom prst="line">
+            <a:avLst/>
+          </a:prstGeom>
+          <a:ln w="57150">
+            <a:solidFill>
+              <a:srgbClr val="00B050"/>
+            </a:solidFill>
+          </a:ln>
+        </p:spPr>
+        <p:style>
+          <a:lnRef idx="2">
+            <a:schemeClr val="accent1"/>
+          </a:lnRef>
+          <a:fillRef idx="0">
+            <a:schemeClr val="accent1"/>
+          </a:fillRef>
+          <a:effectRef idx="1">
+            <a:schemeClr val="accent1"/>
+          </a:effectRef>
+          <a:fontRef idx="minor">
+            <a:schemeClr val="tx1"/>
+          </a:fontRef>
+        </p:style>
+      </p:cxnSp>
+      <p:cxnSp>
+        <p:nvCxnSpPr>
+          <p:cNvPr id="36" name="Straight Connector 35">
+            <a:extLst>
+              <a:ext uri="{FF2B5EF4-FFF2-40B4-BE49-F238E27FC236}">
+                <a16:creationId xmlns:a16="http://schemas.microsoft.com/office/drawing/2014/main" id="{67E2DA83-A54D-309A-78F1-CFA4705E51E1}"/>
+              </a:ext>
+            </a:extLst>
+          </p:cNvPr>
+          <p:cNvCxnSpPr>
+            <a:cxnSpLocks/>
+          </p:cNvCxnSpPr>
+          <p:nvPr/>
+        </p:nvCxnSpPr>
+        <p:spPr>
+          <a:xfrm flipV="1">
+            <a:off x="2280284" y="6572345"/>
+            <a:ext cx="4873263" cy="19670"/>
+          </a:xfrm>
+          <a:prstGeom prst="line">
+            <a:avLst/>
+          </a:prstGeom>
+          <a:ln w="57150">
+            <a:solidFill>
+              <a:srgbClr val="00B050"/>
+            </a:solidFill>
+          </a:ln>
+        </p:spPr>
+        <p:style>
+          <a:lnRef idx="2">
+            <a:schemeClr val="accent1"/>
+          </a:lnRef>
+          <a:fillRef idx="0">
+            <a:schemeClr val="accent1"/>
+          </a:fillRef>
+          <a:effectRef idx="1">
+            <a:schemeClr val="accent1"/>
+          </a:effectRef>
+          <a:fontRef idx="minor">
+            <a:schemeClr val="tx1"/>
+          </a:fontRef>
+        </p:style>
+      </p:cxnSp>
+      <p:cxnSp>
+        <p:nvCxnSpPr>
+          <p:cNvPr id="37" name="Straight Connector 36">
+            <a:extLst>
+              <a:ext uri="{FF2B5EF4-FFF2-40B4-BE49-F238E27FC236}">
+                <a16:creationId xmlns:a16="http://schemas.microsoft.com/office/drawing/2014/main" id="{0B2113EE-1373-C977-7732-4F37CA426921}"/>
+              </a:ext>
+            </a:extLst>
+          </p:cNvPr>
+          <p:cNvCxnSpPr>
+            <a:cxnSpLocks/>
+          </p:cNvCxnSpPr>
+          <p:nvPr/>
+        </p:nvCxnSpPr>
+        <p:spPr>
+          <a:xfrm flipV="1">
+            <a:off x="7138764" y="6015517"/>
+            <a:ext cx="0" cy="531136"/>
+          </a:xfrm>
+          <a:prstGeom prst="line">
+            <a:avLst/>
+          </a:prstGeom>
+          <a:ln w="57150">
+            <a:solidFill>
+              <a:srgbClr val="00B050"/>
+            </a:solidFill>
+          </a:ln>
+        </p:spPr>
+        <p:style>
+          <a:lnRef idx="2">
+            <a:schemeClr val="accent1"/>
+          </a:lnRef>
+          <a:fillRef idx="0">
+            <a:schemeClr val="accent1"/>
+          </a:fillRef>
+          <a:effectRef idx="1">
+            <a:schemeClr val="accent1"/>
+          </a:effectRef>
+          <a:fontRef idx="minor">
+            <a:schemeClr val="tx1"/>
+          </a:fontRef>
+        </p:style>
+      </p:cxnSp>
+      <p:cxnSp>
+        <p:nvCxnSpPr>
+          <p:cNvPr id="45" name="Straight Connector 44">
+            <a:extLst>
+              <a:ext uri="{FF2B5EF4-FFF2-40B4-BE49-F238E27FC236}">
+                <a16:creationId xmlns:a16="http://schemas.microsoft.com/office/drawing/2014/main" id="{D4E43836-1E17-60D7-191C-63C62117504D}"/>
+              </a:ext>
+            </a:extLst>
+          </p:cNvPr>
+          <p:cNvCxnSpPr>
+            <a:cxnSpLocks/>
+          </p:cNvCxnSpPr>
+          <p:nvPr/>
+        </p:nvCxnSpPr>
+        <p:spPr>
+          <a:xfrm flipH="1">
+            <a:off x="2023353" y="3587063"/>
+            <a:ext cx="1045528" cy="0"/>
+          </a:xfrm>
+          <a:prstGeom prst="line">
+            <a:avLst/>
+          </a:prstGeom>
+          <a:ln w="57150">
+            <a:solidFill>
+              <a:srgbClr val="FFFF00"/>
+            </a:solidFill>
+          </a:ln>
+        </p:spPr>
+        <p:style>
+          <a:lnRef idx="2">
+            <a:schemeClr val="accent1"/>
+          </a:lnRef>
+          <a:fillRef idx="0">
+            <a:schemeClr val="accent1"/>
+          </a:fillRef>
+          <a:effectRef idx="1">
+            <a:schemeClr val="accent1"/>
+          </a:effectRef>
+          <a:fontRef idx="minor">
+            <a:schemeClr val="tx1"/>
+          </a:fontRef>
+        </p:style>
+      </p:cxnSp>
+      <p:cxnSp>
+        <p:nvCxnSpPr>
+          <p:cNvPr id="48" name="Straight Connector 47">
+            <a:extLst>
+              <a:ext uri="{FF2B5EF4-FFF2-40B4-BE49-F238E27FC236}">
+                <a16:creationId xmlns:a16="http://schemas.microsoft.com/office/drawing/2014/main" id="{39EF6B7A-F4E3-EB31-A7C8-E8CA9A70F57F}"/>
+              </a:ext>
+            </a:extLst>
+          </p:cNvPr>
+          <p:cNvCxnSpPr>
+            <a:cxnSpLocks/>
+          </p:cNvCxnSpPr>
+          <p:nvPr/>
+        </p:nvCxnSpPr>
+        <p:spPr>
+          <a:xfrm flipH="1" flipV="1">
+            <a:off x="2002800" y="112365"/>
+            <a:ext cx="2905" cy="3474698"/>
+          </a:xfrm>
+          <a:prstGeom prst="line">
+            <a:avLst/>
+          </a:prstGeom>
+          <a:ln w="57150">
+            <a:solidFill>
+              <a:srgbClr val="FFFF00"/>
+            </a:solidFill>
+          </a:ln>
+        </p:spPr>
+        <p:style>
+          <a:lnRef idx="2">
+            <a:schemeClr val="accent1"/>
+          </a:lnRef>
+          <a:fillRef idx="0">
+            <a:schemeClr val="accent1"/>
+          </a:fillRef>
+          <a:effectRef idx="1">
+            <a:schemeClr val="accent1"/>
+          </a:effectRef>
+          <a:fontRef idx="minor">
+            <a:schemeClr val="tx1"/>
+          </a:fontRef>
+        </p:style>
+      </p:cxnSp>
+      <p:cxnSp>
+        <p:nvCxnSpPr>
+          <p:cNvPr id="56" name="Straight Connector 55">
+            <a:extLst>
+              <a:ext uri="{FF2B5EF4-FFF2-40B4-BE49-F238E27FC236}">
+                <a16:creationId xmlns:a16="http://schemas.microsoft.com/office/drawing/2014/main" id="{1316036D-2251-69A1-77C4-8625F58317F1}"/>
+              </a:ext>
+            </a:extLst>
+          </p:cNvPr>
+          <p:cNvCxnSpPr>
+            <a:cxnSpLocks/>
+          </p:cNvCxnSpPr>
+          <p:nvPr/>
+        </p:nvCxnSpPr>
+        <p:spPr>
+          <a:xfrm>
+            <a:off x="2002800" y="129628"/>
+            <a:ext cx="7909685" cy="38762"/>
+          </a:xfrm>
+          <a:prstGeom prst="line">
+            <a:avLst/>
+          </a:prstGeom>
+          <a:ln w="57150">
+            <a:solidFill>
+              <a:srgbClr val="FFFF00"/>
+            </a:solidFill>
+          </a:ln>
+        </p:spPr>
+        <p:style>
+          <a:lnRef idx="2">
+            <a:schemeClr val="accent1"/>
+          </a:lnRef>
+          <a:fillRef idx="0">
+            <a:schemeClr val="accent1"/>
+          </a:fillRef>
+          <a:effectRef idx="1">
+            <a:schemeClr val="accent1"/>
+          </a:effectRef>
+          <a:fontRef idx="minor">
+            <a:schemeClr val="tx1"/>
+          </a:fontRef>
+        </p:style>
+      </p:cxnSp>
+      <p:cxnSp>
+        <p:nvCxnSpPr>
+          <p:cNvPr id="60" name="Straight Connector 59">
+            <a:extLst>
+              <a:ext uri="{FF2B5EF4-FFF2-40B4-BE49-F238E27FC236}">
+                <a16:creationId xmlns:a16="http://schemas.microsoft.com/office/drawing/2014/main" id="{6B364F6D-1E5F-902C-33D9-F948FB60400B}"/>
+              </a:ext>
+            </a:extLst>
+          </p:cNvPr>
+          <p:cNvCxnSpPr>
+            <a:cxnSpLocks/>
+          </p:cNvCxnSpPr>
+          <p:nvPr/>
+        </p:nvCxnSpPr>
+        <p:spPr>
+          <a:xfrm flipV="1">
+            <a:off x="9890674" y="167101"/>
+            <a:ext cx="6371" cy="744031"/>
+          </a:xfrm>
+          <a:prstGeom prst="line">
+            <a:avLst/>
+          </a:prstGeom>
+          <a:ln w="57150">
+            <a:solidFill>
+              <a:srgbClr val="FFFF00"/>
+            </a:solidFill>
+          </a:ln>
+        </p:spPr>
+        <p:style>
+          <a:lnRef idx="2">
+            <a:schemeClr val="accent1"/>
+          </a:lnRef>
+          <a:fillRef idx="0">
+            <a:schemeClr val="accent1"/>
+          </a:fillRef>
+          <a:effectRef idx="1">
+            <a:schemeClr val="accent1"/>
+          </a:effectRef>
+          <a:fontRef idx="minor">
+            <a:schemeClr val="tx1"/>
+          </a:fontRef>
+        </p:style>
+      </p:cxnSp>
+      <p:cxnSp>
+        <p:nvCxnSpPr>
+          <p:cNvPr id="62" name="Straight Connector 61">
+            <a:extLst>
+              <a:ext uri="{FF2B5EF4-FFF2-40B4-BE49-F238E27FC236}">
+                <a16:creationId xmlns:a16="http://schemas.microsoft.com/office/drawing/2014/main" id="{77183622-82B3-8822-3292-B6157CF41789}"/>
+              </a:ext>
+            </a:extLst>
+          </p:cNvPr>
+          <p:cNvCxnSpPr>
+            <a:cxnSpLocks/>
+          </p:cNvCxnSpPr>
+          <p:nvPr/>
+        </p:nvCxnSpPr>
+        <p:spPr>
+          <a:xfrm flipH="1" flipV="1">
+            <a:off x="9260778" y="871394"/>
+            <a:ext cx="629896" cy="58020"/>
+          </a:xfrm>
+          <a:prstGeom prst="line">
+            <a:avLst/>
+          </a:prstGeom>
+          <a:ln w="57150">
+            <a:solidFill>
+              <a:srgbClr val="FFFF00"/>
+            </a:solidFill>
+          </a:ln>
+        </p:spPr>
+        <p:style>
+          <a:lnRef idx="2">
+            <a:schemeClr val="accent1"/>
+          </a:lnRef>
+          <a:fillRef idx="0">
+            <a:schemeClr val="accent1"/>
+          </a:fillRef>
+          <a:effectRef idx="1">
+            <a:schemeClr val="accent1"/>
+          </a:effectRef>
+          <a:fontRef idx="minor">
+            <a:schemeClr val="tx1"/>
+          </a:fontRef>
+        </p:style>
+      </p:cxnSp>
+      <p:cxnSp>
+        <p:nvCxnSpPr>
+          <p:cNvPr id="67" name="Straight Connector 66">
+            <a:extLst>
+              <a:ext uri="{FF2B5EF4-FFF2-40B4-BE49-F238E27FC236}">
+                <a16:creationId xmlns:a16="http://schemas.microsoft.com/office/drawing/2014/main" id="{B0CE1009-2B65-D1A1-12B7-9CDDFEC33628}"/>
+              </a:ext>
+            </a:extLst>
+          </p:cNvPr>
+          <p:cNvCxnSpPr>
+            <a:cxnSpLocks/>
+          </p:cNvCxnSpPr>
+          <p:nvPr/>
+        </p:nvCxnSpPr>
+        <p:spPr>
+          <a:xfrm>
+            <a:off x="5825853" y="1674811"/>
+            <a:ext cx="3899319" cy="14851"/>
+          </a:xfrm>
+          <a:prstGeom prst="line">
+            <a:avLst/>
+          </a:prstGeom>
+          <a:ln w="57150">
+            <a:solidFill>
+              <a:srgbClr val="00B050"/>
+            </a:solidFill>
+          </a:ln>
+        </p:spPr>
+        <p:style>
+          <a:lnRef idx="2">
+            <a:schemeClr val="accent1"/>
+          </a:lnRef>
+          <a:fillRef idx="0">
+            <a:schemeClr val="accent1"/>
+          </a:fillRef>
+          <a:effectRef idx="1">
+            <a:schemeClr val="accent1"/>
+          </a:effectRef>
+          <a:fontRef idx="minor">
+            <a:schemeClr val="tx1"/>
+          </a:fontRef>
+        </p:style>
+      </p:cxnSp>
+      <p:cxnSp>
+        <p:nvCxnSpPr>
+          <p:cNvPr id="68" name="Straight Connector 67">
+            <a:extLst>
+              <a:ext uri="{FF2B5EF4-FFF2-40B4-BE49-F238E27FC236}">
+                <a16:creationId xmlns:a16="http://schemas.microsoft.com/office/drawing/2014/main" id="{AFE34AEC-EA1B-15E1-839D-F3C6FD84A744}"/>
+              </a:ext>
+            </a:extLst>
+          </p:cNvPr>
+          <p:cNvCxnSpPr>
+            <a:cxnSpLocks/>
+          </p:cNvCxnSpPr>
+          <p:nvPr/>
+        </p:nvCxnSpPr>
+        <p:spPr>
+          <a:xfrm flipV="1">
+            <a:off x="9725172" y="1148547"/>
+            <a:ext cx="0" cy="531136"/>
+          </a:xfrm>
+          <a:prstGeom prst="line">
+            <a:avLst/>
+          </a:prstGeom>
+          <a:ln w="57150">
+            <a:solidFill>
+              <a:srgbClr val="00B050"/>
+            </a:solidFill>
+          </a:ln>
+        </p:spPr>
+        <p:style>
+          <a:lnRef idx="2">
+            <a:schemeClr val="accent1"/>
+          </a:lnRef>
+          <a:fillRef idx="0">
+            <a:schemeClr val="accent1"/>
+          </a:fillRef>
+          <a:effectRef idx="1">
+            <a:schemeClr val="accent1"/>
+          </a:effectRef>
+          <a:fontRef idx="minor">
+            <a:schemeClr val="tx1"/>
+          </a:fontRef>
+        </p:style>
+      </p:cxnSp>
+      <p:cxnSp>
+        <p:nvCxnSpPr>
+          <p:cNvPr id="69" name="Straight Connector 68">
+            <a:extLst>
+              <a:ext uri="{FF2B5EF4-FFF2-40B4-BE49-F238E27FC236}">
+                <a16:creationId xmlns:a16="http://schemas.microsoft.com/office/drawing/2014/main" id="{B5883591-18D6-28A4-0207-762F3F158006}"/>
+              </a:ext>
+            </a:extLst>
+          </p:cNvPr>
+          <p:cNvCxnSpPr>
+            <a:cxnSpLocks/>
+          </p:cNvCxnSpPr>
+          <p:nvPr/>
+        </p:nvCxnSpPr>
+        <p:spPr>
+          <a:xfrm>
+            <a:off x="9220529" y="1143426"/>
+            <a:ext cx="504643" cy="45374"/>
+          </a:xfrm>
+          <a:prstGeom prst="line">
+            <a:avLst/>
+          </a:prstGeom>
+          <a:ln w="57150">
+            <a:solidFill>
+              <a:srgbClr val="00B050"/>
+            </a:solidFill>
+          </a:ln>
+        </p:spPr>
+        <p:style>
+          <a:lnRef idx="2">
+            <a:schemeClr val="accent1"/>
+          </a:lnRef>
+          <a:fillRef idx="0">
+            <a:schemeClr val="accent1"/>
+          </a:fillRef>
+          <a:effectRef idx="1">
+            <a:schemeClr val="accent1"/>
+          </a:effectRef>
+          <a:fontRef idx="minor">
+            <a:schemeClr val="tx1"/>
+          </a:fontRef>
+        </p:style>
+      </p:cxnSp>
+      <p:cxnSp>
+        <p:nvCxnSpPr>
+          <p:cNvPr id="73" name="Straight Connector 72">
+            <a:extLst>
+              <a:ext uri="{FF2B5EF4-FFF2-40B4-BE49-F238E27FC236}">
+                <a16:creationId xmlns:a16="http://schemas.microsoft.com/office/drawing/2014/main" id="{1140EB1E-CB29-3DB9-C998-F9FFB0336EA6}"/>
+              </a:ext>
+            </a:extLst>
+          </p:cNvPr>
+          <p:cNvCxnSpPr>
+            <a:cxnSpLocks/>
+          </p:cNvCxnSpPr>
+          <p:nvPr/>
+        </p:nvCxnSpPr>
+        <p:spPr>
+          <a:xfrm flipV="1">
+            <a:off x="5842256" y="1687075"/>
+            <a:ext cx="0" cy="2160879"/>
+          </a:xfrm>
+          <a:prstGeom prst="line">
+            <a:avLst/>
+          </a:prstGeom>
+          <a:ln w="57150">
+            <a:solidFill>
+              <a:srgbClr val="00B050"/>
+            </a:solidFill>
+          </a:ln>
+        </p:spPr>
+        <p:style>
+          <a:lnRef idx="2">
+            <a:schemeClr val="accent1"/>
+          </a:lnRef>
+          <a:fillRef idx="0">
+            <a:schemeClr val="accent1"/>
+          </a:fillRef>
+          <a:effectRef idx="1">
+            <a:schemeClr val="accent1"/>
+          </a:effectRef>
+          <a:fontRef idx="minor">
+            <a:schemeClr val="tx1"/>
+          </a:fontRef>
+        </p:style>
+      </p:cxnSp>
+      <p:cxnSp>
+        <p:nvCxnSpPr>
+          <p:cNvPr id="75" name="Straight Connector 74">
+            <a:extLst>
+              <a:ext uri="{FF2B5EF4-FFF2-40B4-BE49-F238E27FC236}">
+                <a16:creationId xmlns:a16="http://schemas.microsoft.com/office/drawing/2014/main" id="{96490E83-A376-56A6-A720-51C847D2B406}"/>
+              </a:ext>
+            </a:extLst>
+          </p:cNvPr>
+          <p:cNvCxnSpPr>
+            <a:cxnSpLocks/>
+          </p:cNvCxnSpPr>
+          <p:nvPr/>
+        </p:nvCxnSpPr>
+        <p:spPr>
+          <a:xfrm flipV="1">
+            <a:off x="3354467" y="3821934"/>
+            <a:ext cx="2508425" cy="38284"/>
+          </a:xfrm>
+          <a:prstGeom prst="line">
+            <a:avLst/>
+          </a:prstGeom>
+          <a:ln w="57150">
+            <a:solidFill>
+              <a:srgbClr val="00B050"/>
+            </a:solidFill>
+          </a:ln>
+        </p:spPr>
+        <p:style>
+          <a:lnRef idx="2">
+            <a:schemeClr val="accent1"/>
+          </a:lnRef>
+          <a:fillRef idx="0">
+            <a:schemeClr val="accent1"/>
+          </a:fillRef>
+          <a:effectRef idx="1">
+            <a:schemeClr val="accent1"/>
+          </a:effectRef>
+          <a:fontRef idx="minor">
+            <a:schemeClr val="tx1"/>
+          </a:fontRef>
+        </p:style>
+      </p:cxnSp>
+      <p:cxnSp>
+        <p:nvCxnSpPr>
+          <p:cNvPr id="81" name="Straight Connector 80">
+            <a:extLst>
+              <a:ext uri="{FF2B5EF4-FFF2-40B4-BE49-F238E27FC236}">
+                <a16:creationId xmlns:a16="http://schemas.microsoft.com/office/drawing/2014/main" id="{33A9B841-59CC-E4AA-1FCC-83BA112E7363}"/>
+              </a:ext>
+            </a:extLst>
+          </p:cNvPr>
+          <p:cNvCxnSpPr>
+            <a:cxnSpLocks/>
+          </p:cNvCxnSpPr>
+          <p:nvPr/>
+        </p:nvCxnSpPr>
+        <p:spPr>
+          <a:xfrm flipV="1">
+            <a:off x="5211496" y="2548975"/>
+            <a:ext cx="2975542" cy="33127"/>
+          </a:xfrm>
+          <a:prstGeom prst="line">
+            <a:avLst/>
+          </a:prstGeom>
+          <a:ln w="57150">
+            <a:solidFill>
+              <a:srgbClr val="FFFF00"/>
+            </a:solidFill>
+          </a:ln>
+        </p:spPr>
+        <p:style>
+          <a:lnRef idx="2">
+            <a:schemeClr val="accent1"/>
+          </a:lnRef>
+          <a:fillRef idx="0">
+            <a:schemeClr val="accent1"/>
+          </a:fillRef>
+          <a:effectRef idx="1">
+            <a:schemeClr val="accent1"/>
+          </a:effectRef>
+          <a:fontRef idx="minor">
+            <a:schemeClr val="tx1"/>
+          </a:fontRef>
+        </p:style>
+      </p:cxnSp>
+      <p:cxnSp>
+        <p:nvCxnSpPr>
+          <p:cNvPr id="83" name="Straight Connector 82">
+            <a:extLst>
+              <a:ext uri="{FF2B5EF4-FFF2-40B4-BE49-F238E27FC236}">
+                <a16:creationId xmlns:a16="http://schemas.microsoft.com/office/drawing/2014/main" id="{068AF514-2626-14B6-3F77-04D46A2CAE89}"/>
+              </a:ext>
+            </a:extLst>
+          </p:cNvPr>
+          <p:cNvCxnSpPr>
+            <a:cxnSpLocks/>
+          </p:cNvCxnSpPr>
+          <p:nvPr/>
+        </p:nvCxnSpPr>
+        <p:spPr>
+          <a:xfrm>
+            <a:off x="5211496" y="2564817"/>
+            <a:ext cx="0" cy="1012192"/>
+          </a:xfrm>
+          <a:prstGeom prst="line">
+            <a:avLst/>
+          </a:prstGeom>
+          <a:ln w="57150">
+            <a:solidFill>
+              <a:srgbClr val="FFFF00"/>
+            </a:solidFill>
+          </a:ln>
+        </p:spPr>
+        <p:style>
+          <a:lnRef idx="2">
+            <a:schemeClr val="accent1"/>
+          </a:lnRef>
+          <a:fillRef idx="0">
+            <a:schemeClr val="accent1"/>
+          </a:fillRef>
+          <a:effectRef idx="1">
+            <a:schemeClr val="accent1"/>
+          </a:effectRef>
+          <a:fontRef idx="minor">
+            <a:schemeClr val="tx1"/>
+          </a:fontRef>
+        </p:style>
+      </p:cxnSp>
+      <p:cxnSp>
+        <p:nvCxnSpPr>
+          <p:cNvPr id="86" name="Straight Connector 85">
+            <a:extLst>
+              <a:ext uri="{FF2B5EF4-FFF2-40B4-BE49-F238E27FC236}">
+                <a16:creationId xmlns:a16="http://schemas.microsoft.com/office/drawing/2014/main" id="{800BA1C6-0597-9130-54D3-A7ED731E7088}"/>
+              </a:ext>
+            </a:extLst>
+          </p:cNvPr>
+          <p:cNvCxnSpPr>
+            <a:cxnSpLocks/>
+          </p:cNvCxnSpPr>
+          <p:nvPr/>
+        </p:nvCxnSpPr>
+        <p:spPr>
+          <a:xfrm flipV="1">
+            <a:off x="3329800" y="3566955"/>
+            <a:ext cx="1901359" cy="20108"/>
+          </a:xfrm>
+          <a:prstGeom prst="line">
+            <a:avLst/>
+          </a:prstGeom>
+          <a:ln w="57150">
+            <a:solidFill>
+              <a:srgbClr val="FFFF00"/>
+            </a:solidFill>
+          </a:ln>
+        </p:spPr>
+        <p:style>
+          <a:lnRef idx="2">
+            <a:schemeClr val="accent1"/>
+          </a:lnRef>
+          <a:fillRef idx="0">
+            <a:schemeClr val="accent1"/>
+          </a:fillRef>
+          <a:effectRef idx="1">
+            <a:schemeClr val="accent1"/>
+          </a:effectRef>
+          <a:fontRef idx="minor">
+            <a:schemeClr val="tx1"/>
+          </a:fontRef>
+        </p:style>
+      </p:cxnSp>
+      <p:cxnSp>
+        <p:nvCxnSpPr>
+          <p:cNvPr id="89" name="Straight Connector 88">
+            <a:extLst>
+              <a:ext uri="{FF2B5EF4-FFF2-40B4-BE49-F238E27FC236}">
+                <a16:creationId xmlns:a16="http://schemas.microsoft.com/office/drawing/2014/main" id="{F897327B-7750-5986-C38C-AF2A44D1514E}"/>
+              </a:ext>
+            </a:extLst>
+          </p:cNvPr>
+          <p:cNvCxnSpPr>
+            <a:cxnSpLocks/>
+          </p:cNvCxnSpPr>
+          <p:nvPr/>
+        </p:nvCxnSpPr>
+        <p:spPr>
+          <a:xfrm flipV="1">
+            <a:off x="5551274" y="2737913"/>
+            <a:ext cx="2618648" cy="53372"/>
+          </a:xfrm>
+          <a:prstGeom prst="line">
+            <a:avLst/>
+          </a:prstGeom>
+          <a:ln w="57150">
+            <a:solidFill>
+              <a:srgbClr val="00B050"/>
+            </a:solidFill>
+          </a:ln>
+        </p:spPr>
+        <p:style>
+          <a:lnRef idx="2">
+            <a:schemeClr val="accent1"/>
+          </a:lnRef>
+          <a:fillRef idx="0">
+            <a:schemeClr val="accent1"/>
+          </a:fillRef>
+          <a:effectRef idx="1">
+            <a:schemeClr val="accent1"/>
+          </a:effectRef>
+          <a:fontRef idx="minor">
+            <a:schemeClr val="tx1"/>
+          </a:fontRef>
+        </p:style>
+      </p:cxnSp>
+      <p:cxnSp>
+        <p:nvCxnSpPr>
+          <p:cNvPr id="91" name="Straight Connector 90">
+            <a:extLst>
+              <a:ext uri="{FF2B5EF4-FFF2-40B4-BE49-F238E27FC236}">
+                <a16:creationId xmlns:a16="http://schemas.microsoft.com/office/drawing/2014/main" id="{989DB1D6-6110-3680-2DD8-C585E18AD918}"/>
+              </a:ext>
+            </a:extLst>
+          </p:cNvPr>
+          <p:cNvCxnSpPr>
+            <a:cxnSpLocks/>
+          </p:cNvCxnSpPr>
+          <p:nvPr/>
+        </p:nvCxnSpPr>
+        <p:spPr>
+          <a:xfrm>
+            <a:off x="5551274" y="2081719"/>
+            <a:ext cx="0" cy="738077"/>
+          </a:xfrm>
+          <a:prstGeom prst="line">
+            <a:avLst/>
+          </a:prstGeom>
+          <a:ln w="57150">
+            <a:solidFill>
+              <a:srgbClr val="00B050"/>
+            </a:solidFill>
+          </a:ln>
+        </p:spPr>
+        <p:style>
+          <a:lnRef idx="2">
+            <a:schemeClr val="accent1"/>
+          </a:lnRef>
+          <a:fillRef idx="0">
+            <a:schemeClr val="accent1"/>
+          </a:fillRef>
+          <a:effectRef idx="1">
+            <a:schemeClr val="accent1"/>
+          </a:effectRef>
+          <a:fontRef idx="minor">
+            <a:schemeClr val="tx1"/>
+          </a:fontRef>
+        </p:style>
+      </p:cxnSp>
+      <p:cxnSp>
+        <p:nvCxnSpPr>
+          <p:cNvPr id="93" name="Straight Connector 92">
+            <a:extLst>
+              <a:ext uri="{FF2B5EF4-FFF2-40B4-BE49-F238E27FC236}">
+                <a16:creationId xmlns:a16="http://schemas.microsoft.com/office/drawing/2014/main" id="{03450464-C15C-15F0-AD80-454398FA8511}"/>
+              </a:ext>
+            </a:extLst>
+          </p:cNvPr>
+          <p:cNvCxnSpPr>
+            <a:cxnSpLocks/>
+          </p:cNvCxnSpPr>
+          <p:nvPr/>
+        </p:nvCxnSpPr>
+        <p:spPr>
+          <a:xfrm flipV="1">
+            <a:off x="3343858" y="2107971"/>
+            <a:ext cx="2240123" cy="44846"/>
+          </a:xfrm>
+          <a:prstGeom prst="line">
+            <a:avLst/>
+          </a:prstGeom>
+          <a:ln w="57150">
+            <a:solidFill>
+              <a:srgbClr val="00B050"/>
+            </a:solidFill>
+          </a:ln>
+        </p:spPr>
+        <p:style>
+          <a:lnRef idx="2">
+            <a:schemeClr val="accent1"/>
+          </a:lnRef>
+          <a:fillRef idx="0">
+            <a:schemeClr val="accent1"/>
+          </a:fillRef>
+          <a:effectRef idx="1">
+            <a:schemeClr val="accent1"/>
+          </a:effectRef>
+          <a:fontRef idx="minor">
+            <a:schemeClr val="tx1"/>
+          </a:fontRef>
+        </p:style>
+      </p:cxnSp>
+      <p:cxnSp>
+        <p:nvCxnSpPr>
+          <p:cNvPr id="97" name="Straight Connector 96">
+            <a:extLst>
+              <a:ext uri="{FF2B5EF4-FFF2-40B4-BE49-F238E27FC236}">
+                <a16:creationId xmlns:a16="http://schemas.microsoft.com/office/drawing/2014/main" id="{5F5EACDE-559E-B958-D212-919DA5860C34}"/>
+              </a:ext>
+            </a:extLst>
+          </p:cNvPr>
+          <p:cNvCxnSpPr>
+            <a:cxnSpLocks/>
+          </p:cNvCxnSpPr>
+          <p:nvPr/>
+        </p:nvCxnSpPr>
+        <p:spPr>
+          <a:xfrm flipV="1">
+            <a:off x="5412747" y="3075856"/>
+            <a:ext cx="2774291" cy="82613"/>
+          </a:xfrm>
+          <a:prstGeom prst="line">
+            <a:avLst/>
+          </a:prstGeom>
+          <a:ln w="57150">
+            <a:solidFill>
+              <a:schemeClr val="bg2">
+                <a:lumMod val="75000"/>
+              </a:schemeClr>
+            </a:solidFill>
+          </a:ln>
+        </p:spPr>
+        <p:style>
+          <a:lnRef idx="2">
+            <a:schemeClr val="accent1"/>
+          </a:lnRef>
+          <a:fillRef idx="0">
+            <a:schemeClr val="accent1"/>
+          </a:fillRef>
+          <a:effectRef idx="1">
+            <a:schemeClr val="accent1"/>
+          </a:effectRef>
+          <a:fontRef idx="minor">
+            <a:schemeClr val="tx1"/>
+          </a:fontRef>
+        </p:style>
+      </p:cxnSp>
+      <p:cxnSp>
+        <p:nvCxnSpPr>
+          <p:cNvPr id="98" name="Straight Connector 97">
+            <a:extLst>
+              <a:ext uri="{FF2B5EF4-FFF2-40B4-BE49-F238E27FC236}">
+                <a16:creationId xmlns:a16="http://schemas.microsoft.com/office/drawing/2014/main" id="{892112B6-982C-6FC7-9B05-1ECE581C3994}"/>
+              </a:ext>
+            </a:extLst>
+          </p:cNvPr>
+          <p:cNvCxnSpPr>
+            <a:cxnSpLocks/>
+          </p:cNvCxnSpPr>
+          <p:nvPr/>
+        </p:nvCxnSpPr>
+        <p:spPr>
+          <a:xfrm>
+            <a:off x="5412747" y="1563980"/>
+            <a:ext cx="0" cy="1616182"/>
+          </a:xfrm>
+          <a:prstGeom prst="line">
+            <a:avLst/>
+          </a:prstGeom>
+          <a:ln w="57150">
+            <a:solidFill>
+              <a:schemeClr val="bg2">
+                <a:lumMod val="75000"/>
+              </a:schemeClr>
+            </a:solidFill>
+          </a:ln>
+        </p:spPr>
+        <p:style>
+          <a:lnRef idx="2">
+            <a:schemeClr val="accent1"/>
+          </a:lnRef>
+          <a:fillRef idx="0">
+            <a:schemeClr val="accent1"/>
+          </a:fillRef>
+          <a:effectRef idx="1">
+            <a:schemeClr val="accent1"/>
+          </a:effectRef>
+          <a:fontRef idx="minor">
+            <a:schemeClr val="tx1"/>
+          </a:fontRef>
+        </p:style>
+      </p:cxnSp>
+      <p:cxnSp>
+        <p:nvCxnSpPr>
+          <p:cNvPr id="99" name="Straight Connector 98">
+            <a:extLst>
+              <a:ext uri="{FF2B5EF4-FFF2-40B4-BE49-F238E27FC236}">
+                <a16:creationId xmlns:a16="http://schemas.microsoft.com/office/drawing/2014/main" id="{4D9BEEBD-2C2D-CFC8-8174-EA7DBDCFEF4A}"/>
+              </a:ext>
+            </a:extLst>
+          </p:cNvPr>
+          <p:cNvCxnSpPr>
+            <a:cxnSpLocks/>
+          </p:cNvCxnSpPr>
+          <p:nvPr/>
+        </p:nvCxnSpPr>
+        <p:spPr>
+          <a:xfrm flipV="1">
+            <a:off x="3354467" y="1536002"/>
+            <a:ext cx="2058280" cy="50401"/>
+          </a:xfrm>
+          <a:prstGeom prst="line">
+            <a:avLst/>
+          </a:prstGeom>
+          <a:ln w="57150">
+            <a:solidFill>
+              <a:schemeClr val="bg2">
+                <a:lumMod val="75000"/>
+              </a:schemeClr>
+            </a:solidFill>
+          </a:ln>
+        </p:spPr>
+        <p:style>
+          <a:lnRef idx="2">
+            <a:schemeClr val="accent1"/>
+          </a:lnRef>
+          <a:fillRef idx="0">
+            <a:schemeClr val="accent1"/>
+          </a:fillRef>
+          <a:effectRef idx="1">
+            <a:schemeClr val="accent1"/>
+          </a:effectRef>
+          <a:fontRef idx="minor">
+            <a:schemeClr val="tx1"/>
+          </a:fontRef>
+        </p:style>
+      </p:cxnSp>
+      <p:cxnSp>
+        <p:nvCxnSpPr>
+          <p:cNvPr id="103" name="Straight Connector 102">
+            <a:extLst>
+              <a:ext uri="{FF2B5EF4-FFF2-40B4-BE49-F238E27FC236}">
+                <a16:creationId xmlns:a16="http://schemas.microsoft.com/office/drawing/2014/main" id="{25B01370-71C8-F955-6AE0-FE4F47140638}"/>
+              </a:ext>
+            </a:extLst>
+          </p:cNvPr>
+          <p:cNvCxnSpPr>
+            <a:cxnSpLocks/>
+          </p:cNvCxnSpPr>
+          <p:nvPr/>
+        </p:nvCxnSpPr>
+        <p:spPr>
+          <a:xfrm flipV="1">
+            <a:off x="5048465" y="3285930"/>
+            <a:ext cx="3153891" cy="95692"/>
+          </a:xfrm>
+          <a:prstGeom prst="line">
+            <a:avLst/>
+          </a:prstGeom>
+          <a:ln w="57150">
+            <a:solidFill>
+              <a:schemeClr val="tx2">
+                <a:lumMod val="75000"/>
+                <a:lumOff val="25000"/>
+              </a:schemeClr>
+            </a:solidFill>
+          </a:ln>
+        </p:spPr>
+        <p:style>
+          <a:lnRef idx="2">
+            <a:schemeClr val="accent1"/>
+          </a:lnRef>
+          <a:fillRef idx="0">
+            <a:schemeClr val="accent1"/>
+          </a:fillRef>
+          <a:effectRef idx="1">
+            <a:schemeClr val="accent1"/>
+          </a:effectRef>
+          <a:fontRef idx="minor">
+            <a:schemeClr val="tx1"/>
+          </a:fontRef>
+        </p:style>
+      </p:cxnSp>
+      <p:cxnSp>
+        <p:nvCxnSpPr>
+          <p:cNvPr id="104" name="Straight Connector 103">
+            <a:extLst>
+              <a:ext uri="{FF2B5EF4-FFF2-40B4-BE49-F238E27FC236}">
+                <a16:creationId xmlns:a16="http://schemas.microsoft.com/office/drawing/2014/main" id="{EC2A43A7-BCF5-EFC3-D2EE-4494A2D7C33C}"/>
+              </a:ext>
+            </a:extLst>
+          </p:cNvPr>
+          <p:cNvCxnSpPr>
+            <a:cxnSpLocks/>
+          </p:cNvCxnSpPr>
+          <p:nvPr/>
+        </p:nvCxnSpPr>
+        <p:spPr>
+          <a:xfrm>
+            <a:off x="5077869" y="1849714"/>
+            <a:ext cx="0" cy="1540479"/>
+          </a:xfrm>
+          <a:prstGeom prst="line">
+            <a:avLst/>
+          </a:prstGeom>
+          <a:ln w="57150">
+            <a:solidFill>
+              <a:schemeClr val="tx2">
+                <a:lumMod val="75000"/>
+                <a:lumOff val="25000"/>
+              </a:schemeClr>
+            </a:solidFill>
+          </a:ln>
+        </p:spPr>
+        <p:style>
+          <a:lnRef idx="2">
+            <a:schemeClr val="accent1"/>
+          </a:lnRef>
+          <a:fillRef idx="0">
+            <a:schemeClr val="accent1"/>
+          </a:fillRef>
+          <a:effectRef idx="1">
+            <a:schemeClr val="accent1"/>
+          </a:effectRef>
+          <a:fontRef idx="minor">
+            <a:schemeClr val="tx1"/>
+          </a:fontRef>
+        </p:style>
+      </p:cxnSp>
+      <p:cxnSp>
+        <p:nvCxnSpPr>
+          <p:cNvPr id="105" name="Straight Connector 104">
+            <a:extLst>
+              <a:ext uri="{FF2B5EF4-FFF2-40B4-BE49-F238E27FC236}">
+                <a16:creationId xmlns:a16="http://schemas.microsoft.com/office/drawing/2014/main" id="{019002BA-727E-0BFE-3E3F-28494965E53D}"/>
+              </a:ext>
+            </a:extLst>
+          </p:cNvPr>
+          <p:cNvCxnSpPr>
+            <a:cxnSpLocks/>
+          </p:cNvCxnSpPr>
+          <p:nvPr/>
+        </p:nvCxnSpPr>
+        <p:spPr>
+          <a:xfrm flipV="1">
+            <a:off x="3370668" y="1828514"/>
+            <a:ext cx="1678430" cy="7461"/>
+          </a:xfrm>
+          <a:prstGeom prst="line">
+            <a:avLst/>
+          </a:prstGeom>
+          <a:ln w="57150">
+            <a:solidFill>
+              <a:schemeClr val="tx2">
+                <a:lumMod val="75000"/>
+                <a:lumOff val="25000"/>
+              </a:schemeClr>
+            </a:solidFill>
+          </a:ln>
+        </p:spPr>
+        <p:style>
+          <a:lnRef idx="2">
+            <a:schemeClr val="accent1"/>
+          </a:lnRef>
+          <a:fillRef idx="0">
+            <a:schemeClr val="accent1"/>
+          </a:fillRef>
+          <a:effectRef idx="1">
+            <a:schemeClr val="accent1"/>
+          </a:effectRef>
+          <a:fontRef idx="minor">
+            <a:schemeClr val="tx1"/>
+          </a:fontRef>
+        </p:style>
+      </p:cxnSp>
     </p:spTree>
     <p:extLst>
       <p:ext uri="{BB962C8B-B14F-4D97-AF65-F5344CB8AC3E}">
